--- a/Teaching/Courses/F24/CIS500/LectureNotes/cis500_intro.pptx
+++ b/Teaching/Courses/F24/CIS500/LectureNotes/cis500_intro.pptx
@@ -213,7 +213,7 @@
           <a:p>
             <a:fld id="{C5550B23-F2F9-6C46-BE63-8055E7940DE8}" type="datetimeFigureOut">
               <a:rPr lang="en-US" smtClean="0"/>
-              <a:t>1/8/24</a:t>
+              <a:t>8/26/24</a:t>
             </a:fld>
             <a:endParaRPr lang="en-US"/>
           </a:p>
@@ -711,7 +711,7 @@
           <a:p>
             <a:fld id="{E1D8FA4E-4CD5-0B4E-B010-1DCF501BAA5F}" type="datetimeFigureOut">
               <a:rPr lang="en-US" smtClean="0"/>
-              <a:t>1/8/24</a:t>
+              <a:t>8/26/24</a:t>
             </a:fld>
             <a:endParaRPr lang="en-US"/>
           </a:p>
@@ -909,7 +909,7 @@
           <a:p>
             <a:fld id="{E1D8FA4E-4CD5-0B4E-B010-1DCF501BAA5F}" type="datetimeFigureOut">
               <a:rPr lang="en-US" smtClean="0"/>
-              <a:t>1/8/24</a:t>
+              <a:t>8/26/24</a:t>
             </a:fld>
             <a:endParaRPr lang="en-US"/>
           </a:p>
@@ -1117,7 +1117,7 @@
           <a:p>
             <a:fld id="{E1D8FA4E-4CD5-0B4E-B010-1DCF501BAA5F}" type="datetimeFigureOut">
               <a:rPr lang="en-US" smtClean="0"/>
-              <a:t>1/8/24</a:t>
+              <a:t>8/26/24</a:t>
             </a:fld>
             <a:endParaRPr lang="en-US"/>
           </a:p>
@@ -1315,7 +1315,7 @@
           <a:p>
             <a:fld id="{E1D8FA4E-4CD5-0B4E-B010-1DCF501BAA5F}" type="datetimeFigureOut">
               <a:rPr lang="en-US" smtClean="0"/>
-              <a:t>1/8/24</a:t>
+              <a:t>8/26/24</a:t>
             </a:fld>
             <a:endParaRPr lang="en-US"/>
           </a:p>
@@ -1590,7 +1590,7 @@
           <a:p>
             <a:fld id="{E1D8FA4E-4CD5-0B4E-B010-1DCF501BAA5F}" type="datetimeFigureOut">
               <a:rPr lang="en-US" smtClean="0"/>
-              <a:t>1/8/24</a:t>
+              <a:t>8/26/24</a:t>
             </a:fld>
             <a:endParaRPr lang="en-US"/>
           </a:p>
@@ -1855,7 +1855,7 @@
           <a:p>
             <a:fld id="{E1D8FA4E-4CD5-0B4E-B010-1DCF501BAA5F}" type="datetimeFigureOut">
               <a:rPr lang="en-US" smtClean="0"/>
-              <a:t>1/8/24</a:t>
+              <a:t>8/26/24</a:t>
             </a:fld>
             <a:endParaRPr lang="en-US"/>
           </a:p>
@@ -2267,7 +2267,7 @@
           <a:p>
             <a:fld id="{E1D8FA4E-4CD5-0B4E-B010-1DCF501BAA5F}" type="datetimeFigureOut">
               <a:rPr lang="en-US" smtClean="0"/>
-              <a:t>1/8/24</a:t>
+              <a:t>8/26/24</a:t>
             </a:fld>
             <a:endParaRPr lang="en-US"/>
           </a:p>
@@ -2408,7 +2408,7 @@
           <a:p>
             <a:fld id="{E1D8FA4E-4CD5-0B4E-B010-1DCF501BAA5F}" type="datetimeFigureOut">
               <a:rPr lang="en-US" smtClean="0"/>
-              <a:t>1/8/24</a:t>
+              <a:t>8/26/24</a:t>
             </a:fld>
             <a:endParaRPr lang="en-US"/>
           </a:p>
@@ -2521,7 +2521,7 @@
           <a:p>
             <a:fld id="{E1D8FA4E-4CD5-0B4E-B010-1DCF501BAA5F}" type="datetimeFigureOut">
               <a:rPr lang="en-US" smtClean="0"/>
-              <a:t>1/8/24</a:t>
+              <a:t>8/26/24</a:t>
             </a:fld>
             <a:endParaRPr lang="en-US"/>
           </a:p>
@@ -2832,7 +2832,7 @@
           <a:p>
             <a:fld id="{E1D8FA4E-4CD5-0B4E-B010-1DCF501BAA5F}" type="datetimeFigureOut">
               <a:rPr lang="en-US" smtClean="0"/>
-              <a:t>1/8/24</a:t>
+              <a:t>8/26/24</a:t>
             </a:fld>
             <a:endParaRPr lang="en-US"/>
           </a:p>
@@ -3120,7 +3120,7 @@
           <a:p>
             <a:fld id="{E1D8FA4E-4CD5-0B4E-B010-1DCF501BAA5F}" type="datetimeFigureOut">
               <a:rPr lang="en-US" smtClean="0"/>
-              <a:t>1/8/24</a:t>
+              <a:t>8/26/24</a:t>
             </a:fld>
             <a:endParaRPr lang="en-US"/>
           </a:p>
@@ -3361,7 +3361,7 @@
           <a:p>
             <a:fld id="{E1D8FA4E-4CD5-0B4E-B010-1DCF501BAA5F}" type="datetimeFigureOut">
               <a:rPr lang="en-US" smtClean="0"/>
-              <a:t>1/8/24</a:t>
+              <a:t>8/26/24</a:t>
             </a:fld>
             <a:endParaRPr lang="en-US"/>
           </a:p>
@@ -3938,14 +3938,14 @@
           <a:p>
             <a:r>
               <a:rPr lang="en-US" dirty="0"/>
-              <a:t>This course uses “proficiency-based grading”</a:t>
+              <a:t>This course uses “proficiency grading”</a:t>
             </a:r>
           </a:p>
           <a:p>
             <a:pPr lvl="1"/>
             <a:r>
               <a:rPr lang="en-US" dirty="0"/>
-              <a:t>You don’t get ”points” for completing work</a:t>
+              <a:t>You don’t get “points” for completing work</a:t>
             </a:r>
           </a:p>
           <a:p>
@@ -4032,7 +4032,15 @@
             <a:pPr lvl="2"/>
             <a:r>
               <a:rPr lang="en-US" dirty="0"/>
-              <a:t>Need to be successful (E or M) on two separate quizzes to get credit for a topic</a:t>
+              <a:t>Need to be successful (E or M) on </a:t>
+            </a:r>
+            <a:r>
+              <a:rPr lang="en-US" b="1" i="1" u="sng" dirty="0"/>
+              <a:t>two</a:t>
+            </a:r>
+            <a:r>
+              <a:rPr lang="en-US" dirty="0"/>
+              <a:t> separate quizzes to get credit for a topic</a:t>
             </a:r>
           </a:p>
           <a:p>
@@ -5275,7 +5283,7 @@
           <a:p>
             <a:r>
               <a:rPr lang="en-US" dirty="0"/>
-              <a:t>This is not a ”gentle” undergraduate introduction to programming (like CIS 160 is). </a:t>
+              <a:t>This is not a “gentle” undergraduate introduction to programming (like CIS 160 is). </a:t>
             </a:r>
           </a:p>
           <a:p>
@@ -5724,14 +5732,25 @@
             <a:pPr lvl="1"/>
             <a:r>
               <a:rPr lang="en-US" dirty="0"/>
-              <a:t>MW 1:00-2:30, DCIH 530G</a:t>
+              <a:t>MW 1:00-1:30, DCIH 530G</a:t>
             </a:r>
           </a:p>
           <a:p>
             <a:pPr lvl="1"/>
             <a:r>
-              <a:rPr lang="en-US" dirty="0"/>
-              <a:t>I will have limited availability between 5:15 and 6:00 because I need time to eat.</a:t>
+              <a:rPr lang="en-US" dirty="0" err="1"/>
+              <a:t>TTh</a:t>
+            </a:r>
+            <a:r>
+              <a:rPr lang="en-US" dirty="0"/>
+              <a:t> 4:00-5:00, DCIH 530G</a:t>
+            </a:r>
+          </a:p>
+          <a:p>
+            <a:pPr lvl="1"/>
+            <a:r>
+              <a:rPr lang="en-US" dirty="0"/>
+              <a:t>Other days/times by appointment.</a:t>
             </a:r>
           </a:p>
           <a:p>
@@ -5745,15 +5764,7 @@
             </a:r>
             <a:r>
               <a:rPr lang="en-US" dirty="0"/>
-              <a:t> Tuesdays and </a:t>
-            </a:r>
-            <a:r>
-              <a:rPr lang="en-US" i="1" dirty="0"/>
-              <a:t>some</a:t>
-            </a:r>
-            <a:r>
-              <a:rPr lang="en-US" dirty="0"/>
-              <a:t> Thursdays.</a:t>
+              <a:t> mornings.</a:t>
             </a:r>
           </a:p>
           <a:p>
@@ -6198,6 +6209,55 @@
                       </p:childTnLst>
                     </p:cTn>
                   </p:par>
+                  <p:par>
+                    <p:cTn id="35" fill="hold">
+                      <p:stCondLst>
+                        <p:cond delay="indefinite"/>
+                      </p:stCondLst>
+                      <p:childTnLst>
+                        <p:par>
+                          <p:cTn id="36" fill="hold">
+                            <p:stCondLst>
+                              <p:cond delay="0"/>
+                            </p:stCondLst>
+                            <p:childTnLst>
+                              <p:par>
+                                <p:cTn id="37" presetID="1" presetClass="entr" presetSubtype="0" fill="hold" grpId="0" nodeType="clickEffect">
+                                  <p:stCondLst>
+                                    <p:cond delay="0"/>
+                                  </p:stCondLst>
+                                  <p:childTnLst>
+                                    <p:set>
+                                      <p:cBhvr>
+                                        <p:cTn id="38" dur="1" fill="hold">
+                                          <p:stCondLst>
+                                            <p:cond delay="0"/>
+                                          </p:stCondLst>
+                                        </p:cTn>
+                                        <p:tgtEl>
+                                          <p:spTgt spid="3">
+                                            <p:txEl>
+                                              <p:pRg st="8" end="8"/>
+                                            </p:txEl>
+                                          </p:spTgt>
+                                        </p:tgtEl>
+                                        <p:attrNameLst>
+                                          <p:attrName>style.visibility</p:attrName>
+                                        </p:attrNameLst>
+                                      </p:cBhvr>
+                                      <p:to>
+                                        <p:strVal val="visible"/>
+                                      </p:to>
+                                    </p:set>
+                                  </p:childTnLst>
+                                </p:cTn>
+                              </p:par>
+                            </p:childTnLst>
+                          </p:cTn>
+                        </p:par>
+                      </p:childTnLst>
+                    </p:cTn>
+                  </p:par>
                 </p:childTnLst>
               </p:cTn>
               <p:prevCondLst>
@@ -6313,7 +6373,7 @@
             <a:pPr lvl="1"/>
             <a:r>
               <a:rPr lang="en-US" sz="2800" dirty="0"/>
-              <a:t>(I avoid using Blackboard.  There are much more efficient ways of doing the same thing)</a:t>
+              <a:t>(I avoid using Blackboard.  There are much more efficient ways of doing the same thing.)</a:t>
             </a:r>
           </a:p>
           <a:p>
@@ -6334,30 +6394,7 @@
                 <a:cs typeface="Courier New" panose="02070309020205020404" pitchFamily="49" charset="0"/>
                 <a:hlinkClick r:id="rId3"/>
               </a:rPr>
-              <a:t>https://kurmasgvsu.github.io/Teaching/Courses/</a:t>
-            </a:r>
-            <a:r>
-              <a:rPr lang="en-US" dirty="0">
-                <a:solidFill>
-                  <a:srgbClr val="000000"/>
-                </a:solidFill>
-                <a:latin typeface="Courier New" panose="02070309020205020404" pitchFamily="49" charset="0"/>
-                <a:cs typeface="Courier New" panose="02070309020205020404" pitchFamily="49" charset="0"/>
-                <a:hlinkClick r:id="rId3"/>
-              </a:rPr>
-              <a:t>W24</a:t>
-            </a:r>
-            <a:r>
-              <a:rPr lang="en-US" b="0" dirty="0">
-                <a:solidFill>
-                  <a:srgbClr val="000000"/>
-                </a:solidFill>
-                <a:effectLst/>
-                <a:latin typeface="Courier New" panose="02070309020205020404" pitchFamily="49" charset="0"/>
-                <a:cs typeface="Courier New" panose="02070309020205020404" pitchFamily="49" charset="0"/>
-                <a:hlinkClick r:id="rId3"/>
-              </a:rPr>
-              <a:t>/CIS500/</a:t>
+              <a:t>https://kurmasgvsu.github.io/Teaching/Courses/F24/CIS500/</a:t>
             </a:r>
             <a:endParaRPr lang="en-US" b="0" dirty="0">
               <a:solidFill>
@@ -7100,7 +7137,7 @@
               <a:rPr lang="en-US" sz="2400" dirty="0">
                 <a:hlinkClick r:id="rId3"/>
               </a:rPr>
-              <a:t>https://us.prairielearn.com/pl/course_instance/145814</a:t>
+              <a:t>https://us.prairielearn.com/pl/course_instance/154954</a:t>
             </a:r>
             <a:endParaRPr lang="en-US" sz="2400" dirty="0"/>
           </a:p>
@@ -7156,13 +7193,8 @@
             <a:pPr lvl="2"/>
             <a:r>
               <a:rPr lang="en-US" sz="2400" dirty="0"/>
-              <a:t>Create a GitHub account if you </a:t>
-            </a:r>
-            <a:r>
-              <a:rPr lang="en-US" sz="2400"/>
-              <a:t>don’t already have one.</a:t>
-            </a:r>
-            <a:endParaRPr lang="en-US" sz="2400" dirty="0"/>
+              <a:t>Create a GitHub account if you don’t already have one.</a:t>
+            </a:r>
           </a:p>
         </p:txBody>
       </p:sp>
@@ -7721,11 +7753,15 @@
               <a:t>Join course </a:t>
             </a:r>
             <a:r>
-              <a:rPr lang="en-US" dirty="0">
+              <a:rPr lang="en-US" b="0" i="0" u="none" strike="noStrike" dirty="0">
+                <a:solidFill>
+                  <a:srgbClr val="212529"/>
+                </a:solidFill>
+                <a:effectLst/>
                 <a:latin typeface="Courier New" panose="02070309020205020404" pitchFamily="49" charset="0"/>
                 <a:cs typeface="Courier New" panose="02070309020205020404" pitchFamily="49" charset="0"/>
               </a:rPr>
-              <a:t>gvsu_cis500_w24 </a:t>
+              <a:t>gvsu_foppff_fall24 </a:t>
             </a:r>
             <a:r>
               <a:rPr lang="en-US" dirty="0"/>
@@ -7841,21 +7877,25 @@
             <a:pPr lvl="1"/>
             <a:r>
               <a:rPr lang="en-US" dirty="0"/>
-              <a:t>A Python reference sheet prepared collaboratively by the class.</a:t>
-            </a:r>
+              <a:t>None</a:t>
+            </a:r>
+          </a:p>
+          <a:p>
+            <a:r>
+              <a:rPr lang="en-US" dirty="0"/>
+              <a:t>In-Class and </a:t>
+            </a:r>
+            <a:r>
+              <a:rPr lang="en-US" dirty="0" err="1"/>
+              <a:t>Homeworks</a:t>
+            </a:r>
+            <a:endParaRPr lang="en-US" dirty="0"/>
           </a:p>
           <a:p>
             <a:pPr lvl="1"/>
             <a:r>
               <a:rPr lang="en-US" dirty="0"/>
-              <a:t>That means you will all be using the same reference sheet.</a:t>
-            </a:r>
-          </a:p>
-          <a:p>
-            <a:pPr lvl="1"/>
-            <a:r>
-              <a:rPr lang="en-US" dirty="0"/>
-              <a:t>I will approve the content before each quiz.</a:t>
+              <a:t>Anything except ChatGPT and other Generative AI.</a:t>
             </a:r>
           </a:p>
           <a:p>
@@ -7990,15 +8030,33 @@
                                   </p:childTnLst>
                                 </p:cTn>
                               </p:par>
+                            </p:childTnLst>
+                          </p:cTn>
+                        </p:par>
+                      </p:childTnLst>
+                    </p:cTn>
+                  </p:par>
+                  <p:par>
+                    <p:cTn id="7" fill="hold">
+                      <p:stCondLst>
+                        <p:cond delay="indefinite"/>
+                      </p:stCondLst>
+                      <p:childTnLst>
+                        <p:par>
+                          <p:cTn id="8" fill="hold">
+                            <p:stCondLst>
+                              <p:cond delay="0"/>
+                            </p:stCondLst>
+                            <p:childTnLst>
                               <p:par>
-                                <p:cTn id="7" presetID="1" presetClass="entr" presetSubtype="0" fill="hold" grpId="0" nodeType="withEffect">
+                                <p:cTn id="9" presetID="1" presetClass="entr" presetSubtype="0" fill="hold" grpId="0" nodeType="clickEffect">
                                   <p:stCondLst>
                                     <p:cond delay="0"/>
                                   </p:stCondLst>
                                   <p:childTnLst>
                                     <p:set>
                                       <p:cBhvr>
-                                        <p:cTn id="8" dur="1" fill="hold">
+                                        <p:cTn id="10" dur="1" fill="hold">
                                           <p:stCondLst>
                                             <p:cond delay="0"/>
                                           </p:stCondLst>
@@ -8028,26 +8086,26 @@
                     </p:cTn>
                   </p:par>
                   <p:par>
-                    <p:cTn id="9" fill="hold">
+                    <p:cTn id="11" fill="hold">
                       <p:stCondLst>
                         <p:cond delay="indefinite"/>
                       </p:stCondLst>
                       <p:childTnLst>
                         <p:par>
-                          <p:cTn id="10" fill="hold">
+                          <p:cTn id="12" fill="hold">
                             <p:stCondLst>
                               <p:cond delay="0"/>
                             </p:stCondLst>
                             <p:childTnLst>
                               <p:par>
-                                <p:cTn id="11" presetID="1" presetClass="entr" presetSubtype="0" fill="hold" grpId="0" nodeType="clickEffect">
+                                <p:cTn id="13" presetID="1" presetClass="entr" presetSubtype="0" fill="hold" grpId="0" nodeType="clickEffect">
                                   <p:stCondLst>
                                     <p:cond delay="0"/>
                                   </p:stCondLst>
                                   <p:childTnLst>
                                     <p:set>
                                       <p:cBhvr>
-                                        <p:cTn id="12" dur="1" fill="hold">
+                                        <p:cTn id="14" dur="1" fill="hold">
                                           <p:stCondLst>
                                             <p:cond delay="0"/>
                                           </p:stCondLst>
@@ -8077,26 +8135,26 @@
                     </p:cTn>
                   </p:par>
                   <p:par>
-                    <p:cTn id="13" fill="hold">
+                    <p:cTn id="15" fill="hold">
                       <p:stCondLst>
                         <p:cond delay="indefinite"/>
                       </p:stCondLst>
                       <p:childTnLst>
                         <p:par>
-                          <p:cTn id="14" fill="hold">
+                          <p:cTn id="16" fill="hold">
                             <p:stCondLst>
                               <p:cond delay="0"/>
                             </p:stCondLst>
                             <p:childTnLst>
                               <p:par>
-                                <p:cTn id="15" presetID="1" presetClass="entr" presetSubtype="0" fill="hold" grpId="0" nodeType="clickEffect">
+                                <p:cTn id="17" presetID="1" presetClass="entr" presetSubtype="0" fill="hold" grpId="0" nodeType="clickEffect">
                                   <p:stCondLst>
                                     <p:cond delay="0"/>
                                   </p:stCondLst>
                                   <p:childTnLst>
                                     <p:set>
                                       <p:cBhvr>
-                                        <p:cTn id="16" dur="1" fill="hold">
+                                        <p:cTn id="18" dur="1" fill="hold">
                                           <p:stCondLst>
                                             <p:cond delay="0"/>
                                           </p:stCondLst>
@@ -8126,26 +8184,26 @@
                     </p:cTn>
                   </p:par>
                   <p:par>
-                    <p:cTn id="17" fill="hold">
+                    <p:cTn id="19" fill="hold">
                       <p:stCondLst>
                         <p:cond delay="indefinite"/>
                       </p:stCondLst>
                       <p:childTnLst>
                         <p:par>
-                          <p:cTn id="18" fill="hold">
+                          <p:cTn id="20" fill="hold">
                             <p:stCondLst>
                               <p:cond delay="0"/>
                             </p:stCondLst>
                             <p:childTnLst>
                               <p:par>
-                                <p:cTn id="19" presetID="1" presetClass="entr" presetSubtype="0" fill="hold" grpId="0" nodeType="clickEffect">
+                                <p:cTn id="21" presetID="1" presetClass="entr" presetSubtype="0" fill="hold" grpId="0" nodeType="clickEffect">
                                   <p:stCondLst>
                                     <p:cond delay="0"/>
                                   </p:stCondLst>
                                   <p:childTnLst>
                                     <p:set>
                                       <p:cBhvr>
-                                        <p:cTn id="20" dur="1" fill="hold">
+                                        <p:cTn id="22" dur="1" fill="hold">
                                           <p:stCondLst>
                                             <p:cond delay="0"/>
                                           </p:stCondLst>
@@ -8175,26 +8233,26 @@
                     </p:cTn>
                   </p:par>
                   <p:par>
-                    <p:cTn id="21" fill="hold">
+                    <p:cTn id="23" fill="hold">
                       <p:stCondLst>
                         <p:cond delay="indefinite"/>
                       </p:stCondLst>
                       <p:childTnLst>
                         <p:par>
-                          <p:cTn id="22" fill="hold">
+                          <p:cTn id="24" fill="hold">
                             <p:stCondLst>
                               <p:cond delay="0"/>
                             </p:stCondLst>
                             <p:childTnLst>
                               <p:par>
-                                <p:cTn id="23" presetID="1" presetClass="entr" presetSubtype="0" fill="hold" grpId="0" nodeType="clickEffect">
+                                <p:cTn id="25" presetID="1" presetClass="entr" presetSubtype="0" fill="hold" grpId="0" nodeType="clickEffect">
                                   <p:stCondLst>
                                     <p:cond delay="0"/>
                                   </p:stCondLst>
                                   <p:childTnLst>
                                     <p:set>
                                       <p:cBhvr>
-                                        <p:cTn id="24" dur="1" fill="hold">
+                                        <p:cTn id="26" dur="1" fill="hold">
                                           <p:stCondLst>
                                             <p:cond delay="0"/>
                                           </p:stCondLst>
@@ -8224,50 +8282,19 @@
                     </p:cTn>
                   </p:par>
                   <p:par>
-                    <p:cTn id="25" fill="hold">
+                    <p:cTn id="27" fill="hold">
                       <p:stCondLst>
                         <p:cond delay="indefinite"/>
                       </p:stCondLst>
                       <p:childTnLst>
                         <p:par>
-                          <p:cTn id="26" fill="hold">
+                          <p:cTn id="28" fill="hold">
                             <p:stCondLst>
                               <p:cond delay="0"/>
                             </p:stCondLst>
                             <p:childTnLst>
                               <p:par>
-                                <p:cTn id="27" presetID="1" presetClass="entr" presetSubtype="0" fill="hold" grpId="0" nodeType="clickEffect">
-                                  <p:stCondLst>
-                                    <p:cond delay="0"/>
-                                  </p:stCondLst>
-                                  <p:childTnLst>
-                                    <p:set>
-                                      <p:cBhvr>
-                                        <p:cTn id="28" dur="1" fill="hold">
-                                          <p:stCondLst>
-                                            <p:cond delay="0"/>
-                                          </p:stCondLst>
-                                        </p:cTn>
-                                        <p:tgtEl>
-                                          <p:spTgt spid="3">
-                                            <p:txEl>
-                                              <p:pRg st="6" end="6"/>
-                                            </p:txEl>
-                                          </p:spTgt>
-                                        </p:tgtEl>
-                                        <p:attrNameLst>
-                                          <p:attrName>style.visibility</p:attrName>
-                                        </p:attrNameLst>
-                                      </p:cBhvr>
-                                      <p:to>
-                                        <p:strVal val="visible"/>
-                                      </p:to>
-                                    </p:set>
-                                  </p:childTnLst>
-                                </p:cTn>
-                              </p:par>
-                              <p:par>
-                                <p:cTn id="29" presetID="1" presetClass="entr" presetSubtype="0" fill="hold" grpId="0" nodeType="withEffect">
+                                <p:cTn id="29" presetID="1" presetClass="entr" presetSubtype="0" fill="hold" grpId="0" nodeType="clickEffect">
                                   <p:stCondLst>
                                     <p:cond delay="0"/>
                                   </p:stCondLst>
@@ -8282,7 +8309,7 @@
                                         <p:tgtEl>
                                           <p:spTgt spid="3">
                                             <p:txEl>
-                                              <p:pRg st="7" end="7"/>
+                                              <p:pRg st="6" end="6"/>
                                             </p:txEl>
                                           </p:spTgt>
                                         </p:tgtEl>
@@ -8313,7 +8340,7 @@
                                         <p:tgtEl>
                                           <p:spTgt spid="3">
                                             <p:txEl>
-                                              <p:pRg st="8" end="8"/>
+                                              <p:pRg st="7" end="7"/>
                                             </p:txEl>
                                           </p:spTgt>
                                         </p:tgtEl>
@@ -8344,6 +8371,37 @@
                                         <p:tgtEl>
                                           <p:spTgt spid="3">
                                             <p:txEl>
+                                              <p:pRg st="8" end="8"/>
+                                            </p:txEl>
+                                          </p:spTgt>
+                                        </p:tgtEl>
+                                        <p:attrNameLst>
+                                          <p:attrName>style.visibility</p:attrName>
+                                        </p:attrNameLst>
+                                      </p:cBhvr>
+                                      <p:to>
+                                        <p:strVal val="visible"/>
+                                      </p:to>
+                                    </p:set>
+                                  </p:childTnLst>
+                                </p:cTn>
+                              </p:par>
+                              <p:par>
+                                <p:cTn id="35" presetID="1" presetClass="entr" presetSubtype="0" fill="hold" grpId="0" nodeType="withEffect">
+                                  <p:stCondLst>
+                                    <p:cond delay="0"/>
+                                  </p:stCondLst>
+                                  <p:childTnLst>
+                                    <p:set>
+                                      <p:cBhvr>
+                                        <p:cTn id="36" dur="1" fill="hold">
+                                          <p:stCondLst>
+                                            <p:cond delay="0"/>
+                                          </p:stCondLst>
+                                        </p:cTn>
+                                        <p:tgtEl>
+                                          <p:spTgt spid="3">
+                                            <p:txEl>
                                               <p:pRg st="9" end="9"/>
                                             </p:txEl>
                                           </p:spTgt>
@@ -8366,26 +8424,26 @@
                     </p:cTn>
                   </p:par>
                   <p:par>
-                    <p:cTn id="35" fill="hold">
+                    <p:cTn id="37" fill="hold">
                       <p:stCondLst>
                         <p:cond delay="indefinite"/>
                       </p:stCondLst>
                       <p:childTnLst>
                         <p:par>
-                          <p:cTn id="36" fill="hold">
+                          <p:cTn id="38" fill="hold">
                             <p:stCondLst>
                               <p:cond delay="0"/>
                             </p:stCondLst>
                             <p:childTnLst>
                               <p:par>
-                                <p:cTn id="37" presetID="1" presetClass="entr" presetSubtype="0" fill="hold" grpId="0" nodeType="clickEffect">
+                                <p:cTn id="39" presetID="1" presetClass="entr" presetSubtype="0" fill="hold" grpId="0" nodeType="clickEffect">
                                   <p:stCondLst>
                                     <p:cond delay="0"/>
                                   </p:stCondLst>
                                   <p:childTnLst>
                                     <p:set>
                                       <p:cBhvr>
-                                        <p:cTn id="38" dur="1" fill="hold">
+                                        <p:cTn id="40" dur="1" fill="hold">
                                           <p:stCondLst>
                                             <p:cond delay="0"/>
                                           </p:stCondLst>
@@ -8415,26 +8473,26 @@
                     </p:cTn>
                   </p:par>
                   <p:par>
-                    <p:cTn id="39" fill="hold">
+                    <p:cTn id="41" fill="hold">
                       <p:stCondLst>
                         <p:cond delay="indefinite"/>
                       </p:stCondLst>
                       <p:childTnLst>
                         <p:par>
-                          <p:cTn id="40" fill="hold">
+                          <p:cTn id="42" fill="hold">
                             <p:stCondLst>
                               <p:cond delay="0"/>
                             </p:stCondLst>
                             <p:childTnLst>
                               <p:par>
-                                <p:cTn id="41" presetID="1" presetClass="entr" presetSubtype="0" fill="hold" grpId="0" nodeType="clickEffect">
+                                <p:cTn id="43" presetID="1" presetClass="entr" presetSubtype="0" fill="hold" grpId="0" nodeType="clickEffect">
                                   <p:stCondLst>
                                     <p:cond delay="0"/>
                                   </p:stCondLst>
                                   <p:childTnLst>
                                     <p:set>
                                       <p:cBhvr>
-                                        <p:cTn id="42" dur="1" fill="hold">
+                                        <p:cTn id="44" dur="1" fill="hold">
                                           <p:stCondLst>
                                             <p:cond delay="0"/>
                                           </p:stCondLst>
